--- a/ppt 16-9/0915.我是神儿女.pptx
+++ b/ppt 16-9/0915.我是神儿女.pptx
@@ -5,7 +5,7 @@
     <p:sldMasterId id="2147483648" r:id="rId1"/>
   </p:sldMasterIdLst>
   <p:sldIdLst>
-    <p:sldId id="276" r:id="rId2"/>
+    <p:sldId id="277" r:id="rId2"/>
   </p:sldIdLst>
   <p:sldSz cx="12192000" cy="6858000"/>
   <p:notesSz cx="6858000" cy="9144000"/>
@@ -129,7 +129,7 @@
           <p:cNvPr id="2" name="标题 1">
             <a:extLst>
               <a:ext uri="{FF2B5EF4-FFF2-40B4-BE49-F238E27FC236}">
-                <a16:creationId xmlns:a16="http://schemas.microsoft.com/office/drawing/2014/main" id="{00BB98C9-DBFA-9D3A-6471-99CC470251F1}"/>
+                <a16:creationId xmlns:a16="http://schemas.microsoft.com/office/drawing/2014/main" id="{89A21E4D-A908-FB35-27EE-FF935C9FE5D3}"/>
               </a:ext>
             </a:extLst>
           </p:cNvPr>
@@ -166,7 +166,7 @@
           <p:cNvPr id="3" name="副标题 2">
             <a:extLst>
               <a:ext uri="{FF2B5EF4-FFF2-40B4-BE49-F238E27FC236}">
-                <a16:creationId xmlns:a16="http://schemas.microsoft.com/office/drawing/2014/main" id="{B7A3C368-FAAA-0E96-7C63-513C854F8846}"/>
+                <a16:creationId xmlns:a16="http://schemas.microsoft.com/office/drawing/2014/main" id="{AFC8029C-4DFC-7B35-4AB4-4043F0DC14ED}"/>
               </a:ext>
             </a:extLst>
           </p:cNvPr>
@@ -236,7 +236,7 @@
           <p:cNvPr id="4" name="日期占位符 3">
             <a:extLst>
               <a:ext uri="{FF2B5EF4-FFF2-40B4-BE49-F238E27FC236}">
-                <a16:creationId xmlns:a16="http://schemas.microsoft.com/office/drawing/2014/main" id="{EE23EBFD-DEE6-75F9-4E1A-00531FBEA5EF}"/>
+                <a16:creationId xmlns:a16="http://schemas.microsoft.com/office/drawing/2014/main" id="{E2827D32-B3BC-791B-BF9F-C70F9DB0E5AE}"/>
               </a:ext>
             </a:extLst>
           </p:cNvPr>
@@ -252,7 +252,7 @@
           <a:bodyPr/>
           <a:lstStyle/>
           <a:p>
-            <a:fld id="{7025611D-FDFD-4961-9CD9-01AB4E329938}" type="datetimeFigureOut">
+            <a:fld id="{4ACC2674-A246-413C-9815-3D2565BB69F8}" type="datetimeFigureOut">
               <a:rPr lang="zh-CN" altLang="en-US" smtClean="0"/>
               <a:t>2024/3/10</a:t>
             </a:fld>
@@ -265,7 +265,7 @@
           <p:cNvPr id="5" name="页脚占位符 4">
             <a:extLst>
               <a:ext uri="{FF2B5EF4-FFF2-40B4-BE49-F238E27FC236}">
-                <a16:creationId xmlns:a16="http://schemas.microsoft.com/office/drawing/2014/main" id="{64B684BF-6A4B-2D75-E871-4B2AC808F6A3}"/>
+                <a16:creationId xmlns:a16="http://schemas.microsoft.com/office/drawing/2014/main" id="{87585E78-79EA-3B08-7988-252433FC43D4}"/>
               </a:ext>
             </a:extLst>
           </p:cNvPr>
@@ -290,7 +290,7 @@
           <p:cNvPr id="6" name="灯片编号占位符 5">
             <a:extLst>
               <a:ext uri="{FF2B5EF4-FFF2-40B4-BE49-F238E27FC236}">
-                <a16:creationId xmlns:a16="http://schemas.microsoft.com/office/drawing/2014/main" id="{C4F217EE-DD2E-6FF1-857F-6914B7BDB67C}"/>
+                <a16:creationId xmlns:a16="http://schemas.microsoft.com/office/drawing/2014/main" id="{D44BA379-6C3A-B4EA-D62B-92FD5B15502A}"/>
               </a:ext>
             </a:extLst>
           </p:cNvPr>
@@ -306,7 +306,7 @@
           <a:bodyPr/>
           <a:lstStyle/>
           <a:p>
-            <a:fld id="{2B995B28-8545-4584-9676-46241DBCAFB0}" type="slidenum">
+            <a:fld id="{29034812-505F-4E7B-BB44-0128E1599E1B}" type="slidenum">
               <a:rPr lang="zh-CN" altLang="en-US" smtClean="0"/>
               <a:t>‹#›</a:t>
             </a:fld>
@@ -317,7 +317,7 @@
     </p:spTree>
     <p:extLst>
       <p:ext uri="{BB962C8B-B14F-4D97-AF65-F5344CB8AC3E}">
-        <p14:creationId xmlns:p14="http://schemas.microsoft.com/office/powerpoint/2010/main" val="312624098"/>
+        <p14:creationId xmlns:p14="http://schemas.microsoft.com/office/powerpoint/2010/main" val="3943797533"/>
       </p:ext>
     </p:extLst>
   </p:cSld>
@@ -349,7 +349,7 @@
           <p:cNvPr id="2" name="标题 1">
             <a:extLst>
               <a:ext uri="{FF2B5EF4-FFF2-40B4-BE49-F238E27FC236}">
-                <a16:creationId xmlns:a16="http://schemas.microsoft.com/office/drawing/2014/main" id="{EFAB5AA4-F830-BD62-D921-35DB3ACCC0DC}"/>
+                <a16:creationId xmlns:a16="http://schemas.microsoft.com/office/drawing/2014/main" id="{CFCEBACE-0DDB-53FE-C56F-1721084F255E}"/>
               </a:ext>
             </a:extLst>
           </p:cNvPr>
@@ -377,7 +377,7 @@
           <p:cNvPr id="3" name="竖排文字占位符 2">
             <a:extLst>
               <a:ext uri="{FF2B5EF4-FFF2-40B4-BE49-F238E27FC236}">
-                <a16:creationId xmlns:a16="http://schemas.microsoft.com/office/drawing/2014/main" id="{11CAE848-A67E-2461-7223-5E949C28D47B}"/>
+                <a16:creationId xmlns:a16="http://schemas.microsoft.com/office/drawing/2014/main" id="{4F95FA24-BC82-1FC8-4AFF-4D18B83EC0F0}"/>
               </a:ext>
             </a:extLst>
           </p:cNvPr>
@@ -434,7 +434,7 @@
           <p:cNvPr id="4" name="日期占位符 3">
             <a:extLst>
               <a:ext uri="{FF2B5EF4-FFF2-40B4-BE49-F238E27FC236}">
-                <a16:creationId xmlns:a16="http://schemas.microsoft.com/office/drawing/2014/main" id="{B63AD387-ADE9-6964-5DC4-6D666BDF81CB}"/>
+                <a16:creationId xmlns:a16="http://schemas.microsoft.com/office/drawing/2014/main" id="{0F7ECD18-46EC-0EC9-DF39-19CA89C5EC35}"/>
               </a:ext>
             </a:extLst>
           </p:cNvPr>
@@ -450,7 +450,7 @@
           <a:bodyPr/>
           <a:lstStyle/>
           <a:p>
-            <a:fld id="{7025611D-FDFD-4961-9CD9-01AB4E329938}" type="datetimeFigureOut">
+            <a:fld id="{4ACC2674-A246-413C-9815-3D2565BB69F8}" type="datetimeFigureOut">
               <a:rPr lang="zh-CN" altLang="en-US" smtClean="0"/>
               <a:t>2024/3/10</a:t>
             </a:fld>
@@ -463,7 +463,7 @@
           <p:cNvPr id="5" name="页脚占位符 4">
             <a:extLst>
               <a:ext uri="{FF2B5EF4-FFF2-40B4-BE49-F238E27FC236}">
-                <a16:creationId xmlns:a16="http://schemas.microsoft.com/office/drawing/2014/main" id="{4A389C60-C55E-2B08-FDE8-F24B714FF916}"/>
+                <a16:creationId xmlns:a16="http://schemas.microsoft.com/office/drawing/2014/main" id="{25BAF0B0-67E8-B19E-0602-E787DB644FAB}"/>
               </a:ext>
             </a:extLst>
           </p:cNvPr>
@@ -488,7 +488,7 @@
           <p:cNvPr id="6" name="灯片编号占位符 5">
             <a:extLst>
               <a:ext uri="{FF2B5EF4-FFF2-40B4-BE49-F238E27FC236}">
-                <a16:creationId xmlns:a16="http://schemas.microsoft.com/office/drawing/2014/main" id="{77CDB1BB-F25B-1F4F-47A1-319C97A95435}"/>
+                <a16:creationId xmlns:a16="http://schemas.microsoft.com/office/drawing/2014/main" id="{D992F3C9-EFDF-32BC-7A09-5ACE01AC398C}"/>
               </a:ext>
             </a:extLst>
           </p:cNvPr>
@@ -504,7 +504,7 @@
           <a:bodyPr/>
           <a:lstStyle/>
           <a:p>
-            <a:fld id="{2B995B28-8545-4584-9676-46241DBCAFB0}" type="slidenum">
+            <a:fld id="{29034812-505F-4E7B-BB44-0128E1599E1B}" type="slidenum">
               <a:rPr lang="zh-CN" altLang="en-US" smtClean="0"/>
               <a:t>‹#›</a:t>
             </a:fld>
@@ -515,7 +515,7 @@
     </p:spTree>
     <p:extLst>
       <p:ext uri="{BB962C8B-B14F-4D97-AF65-F5344CB8AC3E}">
-        <p14:creationId xmlns:p14="http://schemas.microsoft.com/office/powerpoint/2010/main" val="1342361295"/>
+        <p14:creationId xmlns:p14="http://schemas.microsoft.com/office/powerpoint/2010/main" val="2744028175"/>
       </p:ext>
     </p:extLst>
   </p:cSld>
@@ -547,7 +547,7 @@
           <p:cNvPr id="2" name="竖排标题 1">
             <a:extLst>
               <a:ext uri="{FF2B5EF4-FFF2-40B4-BE49-F238E27FC236}">
-                <a16:creationId xmlns:a16="http://schemas.microsoft.com/office/drawing/2014/main" id="{9CB65A53-C2C1-FF38-1F98-0DDAC2F82FD8}"/>
+                <a16:creationId xmlns:a16="http://schemas.microsoft.com/office/drawing/2014/main" id="{63C9DD83-F3DF-A156-8738-93AF18AF66D7}"/>
               </a:ext>
             </a:extLst>
           </p:cNvPr>
@@ -580,7 +580,7 @@
           <p:cNvPr id="3" name="竖排文字占位符 2">
             <a:extLst>
               <a:ext uri="{FF2B5EF4-FFF2-40B4-BE49-F238E27FC236}">
-                <a16:creationId xmlns:a16="http://schemas.microsoft.com/office/drawing/2014/main" id="{2F7DC6B7-F4D5-9113-1C14-018B441AAF3D}"/>
+                <a16:creationId xmlns:a16="http://schemas.microsoft.com/office/drawing/2014/main" id="{ED4F06D1-BCC4-FD51-8D9D-0AE964F136E9}"/>
               </a:ext>
             </a:extLst>
           </p:cNvPr>
@@ -642,7 +642,7 @@
           <p:cNvPr id="4" name="日期占位符 3">
             <a:extLst>
               <a:ext uri="{FF2B5EF4-FFF2-40B4-BE49-F238E27FC236}">
-                <a16:creationId xmlns:a16="http://schemas.microsoft.com/office/drawing/2014/main" id="{BD1E97BD-6B70-9793-4BD7-E2B195947335}"/>
+                <a16:creationId xmlns:a16="http://schemas.microsoft.com/office/drawing/2014/main" id="{1FADEF7F-A14E-5456-933F-00800026374E}"/>
               </a:ext>
             </a:extLst>
           </p:cNvPr>
@@ -658,7 +658,7 @@
           <a:bodyPr/>
           <a:lstStyle/>
           <a:p>
-            <a:fld id="{7025611D-FDFD-4961-9CD9-01AB4E329938}" type="datetimeFigureOut">
+            <a:fld id="{4ACC2674-A246-413C-9815-3D2565BB69F8}" type="datetimeFigureOut">
               <a:rPr lang="zh-CN" altLang="en-US" smtClean="0"/>
               <a:t>2024/3/10</a:t>
             </a:fld>
@@ -671,7 +671,7 @@
           <p:cNvPr id="5" name="页脚占位符 4">
             <a:extLst>
               <a:ext uri="{FF2B5EF4-FFF2-40B4-BE49-F238E27FC236}">
-                <a16:creationId xmlns:a16="http://schemas.microsoft.com/office/drawing/2014/main" id="{F68A9129-2FF0-952E-AC7F-1605EC318F95}"/>
+                <a16:creationId xmlns:a16="http://schemas.microsoft.com/office/drawing/2014/main" id="{FFADD35A-1D6C-7DCE-9987-631328F5B736}"/>
               </a:ext>
             </a:extLst>
           </p:cNvPr>
@@ -696,7 +696,7 @@
           <p:cNvPr id="6" name="灯片编号占位符 5">
             <a:extLst>
               <a:ext uri="{FF2B5EF4-FFF2-40B4-BE49-F238E27FC236}">
-                <a16:creationId xmlns:a16="http://schemas.microsoft.com/office/drawing/2014/main" id="{D8099A22-77FC-129B-624C-C5652CB58A75}"/>
+                <a16:creationId xmlns:a16="http://schemas.microsoft.com/office/drawing/2014/main" id="{A0AFCF87-06ED-2B10-21C0-E4BF705E2CC0}"/>
               </a:ext>
             </a:extLst>
           </p:cNvPr>
@@ -712,7 +712,7 @@
           <a:bodyPr/>
           <a:lstStyle/>
           <a:p>
-            <a:fld id="{2B995B28-8545-4584-9676-46241DBCAFB0}" type="slidenum">
+            <a:fld id="{29034812-505F-4E7B-BB44-0128E1599E1B}" type="slidenum">
               <a:rPr lang="zh-CN" altLang="en-US" smtClean="0"/>
               <a:t>‹#›</a:t>
             </a:fld>
@@ -723,7 +723,7 @@
     </p:spTree>
     <p:extLst>
       <p:ext uri="{BB962C8B-B14F-4D97-AF65-F5344CB8AC3E}">
-        <p14:creationId xmlns:p14="http://schemas.microsoft.com/office/powerpoint/2010/main" val="3638559292"/>
+        <p14:creationId xmlns:p14="http://schemas.microsoft.com/office/powerpoint/2010/main" val="3931808"/>
       </p:ext>
     </p:extLst>
   </p:cSld>
@@ -755,7 +755,7 @@
           <p:cNvPr id="2" name="标题 1">
             <a:extLst>
               <a:ext uri="{FF2B5EF4-FFF2-40B4-BE49-F238E27FC236}">
-                <a16:creationId xmlns:a16="http://schemas.microsoft.com/office/drawing/2014/main" id="{BA14DCCA-0901-02ED-C2A0-C3CCDE9A0B49}"/>
+                <a16:creationId xmlns:a16="http://schemas.microsoft.com/office/drawing/2014/main" id="{C3B60F80-C863-5054-DD6E-88DF7B4F2B05}"/>
               </a:ext>
             </a:extLst>
           </p:cNvPr>
@@ -783,7 +783,7 @@
           <p:cNvPr id="3" name="内容占位符 2">
             <a:extLst>
               <a:ext uri="{FF2B5EF4-FFF2-40B4-BE49-F238E27FC236}">
-                <a16:creationId xmlns:a16="http://schemas.microsoft.com/office/drawing/2014/main" id="{5AE99C87-F712-59B7-EE6C-BD1D220DA85E}"/>
+                <a16:creationId xmlns:a16="http://schemas.microsoft.com/office/drawing/2014/main" id="{AB91A668-3848-2A11-3FB1-A25DB6E967FF}"/>
               </a:ext>
             </a:extLst>
           </p:cNvPr>
@@ -840,7 +840,7 @@
           <p:cNvPr id="4" name="日期占位符 3">
             <a:extLst>
               <a:ext uri="{FF2B5EF4-FFF2-40B4-BE49-F238E27FC236}">
-                <a16:creationId xmlns:a16="http://schemas.microsoft.com/office/drawing/2014/main" id="{383BC7E2-D3D8-DB32-7F4A-588A9E1D8B61}"/>
+                <a16:creationId xmlns:a16="http://schemas.microsoft.com/office/drawing/2014/main" id="{C470586E-96C7-BECC-E846-C5A69CB07479}"/>
               </a:ext>
             </a:extLst>
           </p:cNvPr>
@@ -856,7 +856,7 @@
           <a:bodyPr/>
           <a:lstStyle/>
           <a:p>
-            <a:fld id="{7025611D-FDFD-4961-9CD9-01AB4E329938}" type="datetimeFigureOut">
+            <a:fld id="{4ACC2674-A246-413C-9815-3D2565BB69F8}" type="datetimeFigureOut">
               <a:rPr lang="zh-CN" altLang="en-US" smtClean="0"/>
               <a:t>2024/3/10</a:t>
             </a:fld>
@@ -869,7 +869,7 @@
           <p:cNvPr id="5" name="页脚占位符 4">
             <a:extLst>
               <a:ext uri="{FF2B5EF4-FFF2-40B4-BE49-F238E27FC236}">
-                <a16:creationId xmlns:a16="http://schemas.microsoft.com/office/drawing/2014/main" id="{B17CB881-CA37-8814-8961-D267A4B5B409}"/>
+                <a16:creationId xmlns:a16="http://schemas.microsoft.com/office/drawing/2014/main" id="{796B9120-BDB9-1B59-5B84-7802C572F8F4}"/>
               </a:ext>
             </a:extLst>
           </p:cNvPr>
@@ -894,7 +894,7 @@
           <p:cNvPr id="6" name="灯片编号占位符 5">
             <a:extLst>
               <a:ext uri="{FF2B5EF4-FFF2-40B4-BE49-F238E27FC236}">
-                <a16:creationId xmlns:a16="http://schemas.microsoft.com/office/drawing/2014/main" id="{ACE07587-4F89-62F2-91BA-B303261FC70F}"/>
+                <a16:creationId xmlns:a16="http://schemas.microsoft.com/office/drawing/2014/main" id="{C9FE8550-ADEA-DF25-96D8-AC122418F196}"/>
               </a:ext>
             </a:extLst>
           </p:cNvPr>
@@ -910,7 +910,7 @@
           <a:bodyPr/>
           <a:lstStyle/>
           <a:p>
-            <a:fld id="{2B995B28-8545-4584-9676-46241DBCAFB0}" type="slidenum">
+            <a:fld id="{29034812-505F-4E7B-BB44-0128E1599E1B}" type="slidenum">
               <a:rPr lang="zh-CN" altLang="en-US" smtClean="0"/>
               <a:t>‹#›</a:t>
             </a:fld>
@@ -921,7 +921,7 @@
     </p:spTree>
     <p:extLst>
       <p:ext uri="{BB962C8B-B14F-4D97-AF65-F5344CB8AC3E}">
-        <p14:creationId xmlns:p14="http://schemas.microsoft.com/office/powerpoint/2010/main" val="2538813753"/>
+        <p14:creationId xmlns:p14="http://schemas.microsoft.com/office/powerpoint/2010/main" val="3584545521"/>
       </p:ext>
     </p:extLst>
   </p:cSld>
@@ -953,7 +953,7 @@
           <p:cNvPr id="2" name="标题 1">
             <a:extLst>
               <a:ext uri="{FF2B5EF4-FFF2-40B4-BE49-F238E27FC236}">
-                <a16:creationId xmlns:a16="http://schemas.microsoft.com/office/drawing/2014/main" id="{9B24CA74-01DD-4842-AE9F-0C735FCFF525}"/>
+                <a16:creationId xmlns:a16="http://schemas.microsoft.com/office/drawing/2014/main" id="{F1344AD4-8C88-F92C-B28D-9C245F75C283}"/>
               </a:ext>
             </a:extLst>
           </p:cNvPr>
@@ -990,7 +990,7 @@
           <p:cNvPr id="3" name="文本占位符 2">
             <a:extLst>
               <a:ext uri="{FF2B5EF4-FFF2-40B4-BE49-F238E27FC236}">
-                <a16:creationId xmlns:a16="http://schemas.microsoft.com/office/drawing/2014/main" id="{FF93CB51-E203-B10A-C82B-C3E1FFA13A62}"/>
+                <a16:creationId xmlns:a16="http://schemas.microsoft.com/office/drawing/2014/main" id="{32E0F790-4661-556A-B41E-329A2A6DF2A4}"/>
               </a:ext>
             </a:extLst>
           </p:cNvPr>
@@ -1115,7 +1115,7 @@
           <p:cNvPr id="4" name="日期占位符 3">
             <a:extLst>
               <a:ext uri="{FF2B5EF4-FFF2-40B4-BE49-F238E27FC236}">
-                <a16:creationId xmlns:a16="http://schemas.microsoft.com/office/drawing/2014/main" id="{568FD514-336D-D33A-059E-8166A5A0A2CA}"/>
+                <a16:creationId xmlns:a16="http://schemas.microsoft.com/office/drawing/2014/main" id="{08597F4A-4074-58D0-0587-98696B671D5E}"/>
               </a:ext>
             </a:extLst>
           </p:cNvPr>
@@ -1131,7 +1131,7 @@
           <a:bodyPr/>
           <a:lstStyle/>
           <a:p>
-            <a:fld id="{7025611D-FDFD-4961-9CD9-01AB4E329938}" type="datetimeFigureOut">
+            <a:fld id="{4ACC2674-A246-413C-9815-3D2565BB69F8}" type="datetimeFigureOut">
               <a:rPr lang="zh-CN" altLang="en-US" smtClean="0"/>
               <a:t>2024/3/10</a:t>
             </a:fld>
@@ -1144,7 +1144,7 @@
           <p:cNvPr id="5" name="页脚占位符 4">
             <a:extLst>
               <a:ext uri="{FF2B5EF4-FFF2-40B4-BE49-F238E27FC236}">
-                <a16:creationId xmlns:a16="http://schemas.microsoft.com/office/drawing/2014/main" id="{B235F882-7F87-69D4-2429-E037243FD7C8}"/>
+                <a16:creationId xmlns:a16="http://schemas.microsoft.com/office/drawing/2014/main" id="{2FF8D2E9-1D0C-A8BB-3469-5FE70EC98D97}"/>
               </a:ext>
             </a:extLst>
           </p:cNvPr>
@@ -1169,7 +1169,7 @@
           <p:cNvPr id="6" name="灯片编号占位符 5">
             <a:extLst>
               <a:ext uri="{FF2B5EF4-FFF2-40B4-BE49-F238E27FC236}">
-                <a16:creationId xmlns:a16="http://schemas.microsoft.com/office/drawing/2014/main" id="{4FE2C652-0FFE-7C27-2DAF-B04EA5B02198}"/>
+                <a16:creationId xmlns:a16="http://schemas.microsoft.com/office/drawing/2014/main" id="{FB7A9B08-D7D5-B33F-A8E1-15492CE4B4E8}"/>
               </a:ext>
             </a:extLst>
           </p:cNvPr>
@@ -1185,7 +1185,7 @@
           <a:bodyPr/>
           <a:lstStyle/>
           <a:p>
-            <a:fld id="{2B995B28-8545-4584-9676-46241DBCAFB0}" type="slidenum">
+            <a:fld id="{29034812-505F-4E7B-BB44-0128E1599E1B}" type="slidenum">
               <a:rPr lang="zh-CN" altLang="en-US" smtClean="0"/>
               <a:t>‹#›</a:t>
             </a:fld>
@@ -1196,7 +1196,7 @@
     </p:spTree>
     <p:extLst>
       <p:ext uri="{BB962C8B-B14F-4D97-AF65-F5344CB8AC3E}">
-        <p14:creationId xmlns:p14="http://schemas.microsoft.com/office/powerpoint/2010/main" val="3019711531"/>
+        <p14:creationId xmlns:p14="http://schemas.microsoft.com/office/powerpoint/2010/main" val="4038756156"/>
       </p:ext>
     </p:extLst>
   </p:cSld>
@@ -1228,7 +1228,7 @@
           <p:cNvPr id="2" name="标题 1">
             <a:extLst>
               <a:ext uri="{FF2B5EF4-FFF2-40B4-BE49-F238E27FC236}">
-                <a16:creationId xmlns:a16="http://schemas.microsoft.com/office/drawing/2014/main" id="{A5FAC95B-D8C7-FD5A-5D77-B03F811157FD}"/>
+                <a16:creationId xmlns:a16="http://schemas.microsoft.com/office/drawing/2014/main" id="{DEE48A95-8ED8-C853-838C-DF055F8EF0E9}"/>
               </a:ext>
             </a:extLst>
           </p:cNvPr>
@@ -1256,7 +1256,7 @@
           <p:cNvPr id="3" name="内容占位符 2">
             <a:extLst>
               <a:ext uri="{FF2B5EF4-FFF2-40B4-BE49-F238E27FC236}">
-                <a16:creationId xmlns:a16="http://schemas.microsoft.com/office/drawing/2014/main" id="{A2A84516-F000-BAFA-F0C2-0DF7414E7D44}"/>
+                <a16:creationId xmlns:a16="http://schemas.microsoft.com/office/drawing/2014/main" id="{647DA780-E265-EB02-E3CE-792C23822328}"/>
               </a:ext>
             </a:extLst>
           </p:cNvPr>
@@ -1318,7 +1318,7 @@
           <p:cNvPr id="4" name="内容占位符 3">
             <a:extLst>
               <a:ext uri="{FF2B5EF4-FFF2-40B4-BE49-F238E27FC236}">
-                <a16:creationId xmlns:a16="http://schemas.microsoft.com/office/drawing/2014/main" id="{7F01E34C-E37D-F498-764C-D0CCF342A932}"/>
+                <a16:creationId xmlns:a16="http://schemas.microsoft.com/office/drawing/2014/main" id="{4FDC2795-CB52-DCE8-2A44-D8AD06E44245}"/>
               </a:ext>
             </a:extLst>
           </p:cNvPr>
@@ -1380,7 +1380,7 @@
           <p:cNvPr id="5" name="日期占位符 4">
             <a:extLst>
               <a:ext uri="{FF2B5EF4-FFF2-40B4-BE49-F238E27FC236}">
-                <a16:creationId xmlns:a16="http://schemas.microsoft.com/office/drawing/2014/main" id="{B8EE8639-75B5-2632-0946-168301A078DA}"/>
+                <a16:creationId xmlns:a16="http://schemas.microsoft.com/office/drawing/2014/main" id="{A46C9E1F-286D-139D-1E8D-8B51863D96DF}"/>
               </a:ext>
             </a:extLst>
           </p:cNvPr>
@@ -1396,7 +1396,7 @@
           <a:bodyPr/>
           <a:lstStyle/>
           <a:p>
-            <a:fld id="{7025611D-FDFD-4961-9CD9-01AB4E329938}" type="datetimeFigureOut">
+            <a:fld id="{4ACC2674-A246-413C-9815-3D2565BB69F8}" type="datetimeFigureOut">
               <a:rPr lang="zh-CN" altLang="en-US" smtClean="0"/>
               <a:t>2024/3/10</a:t>
             </a:fld>
@@ -1409,7 +1409,7 @@
           <p:cNvPr id="6" name="页脚占位符 5">
             <a:extLst>
               <a:ext uri="{FF2B5EF4-FFF2-40B4-BE49-F238E27FC236}">
-                <a16:creationId xmlns:a16="http://schemas.microsoft.com/office/drawing/2014/main" id="{559704FA-502F-6E4B-2E0C-BE3D68FF978A}"/>
+                <a16:creationId xmlns:a16="http://schemas.microsoft.com/office/drawing/2014/main" id="{8A9797A3-78C6-9DC0-AB00-D2EB1D94E95D}"/>
               </a:ext>
             </a:extLst>
           </p:cNvPr>
@@ -1434,7 +1434,7 @@
           <p:cNvPr id="7" name="灯片编号占位符 6">
             <a:extLst>
               <a:ext uri="{FF2B5EF4-FFF2-40B4-BE49-F238E27FC236}">
-                <a16:creationId xmlns:a16="http://schemas.microsoft.com/office/drawing/2014/main" id="{6D377FF7-38BB-19F7-1C7E-18404657E13E}"/>
+                <a16:creationId xmlns:a16="http://schemas.microsoft.com/office/drawing/2014/main" id="{0A172E9C-7D60-BA5D-C3EB-0928DC9889E2}"/>
               </a:ext>
             </a:extLst>
           </p:cNvPr>
@@ -1450,7 +1450,7 @@
           <a:bodyPr/>
           <a:lstStyle/>
           <a:p>
-            <a:fld id="{2B995B28-8545-4584-9676-46241DBCAFB0}" type="slidenum">
+            <a:fld id="{29034812-505F-4E7B-BB44-0128E1599E1B}" type="slidenum">
               <a:rPr lang="zh-CN" altLang="en-US" smtClean="0"/>
               <a:t>‹#›</a:t>
             </a:fld>
@@ -1461,7 +1461,7 @@
     </p:spTree>
     <p:extLst>
       <p:ext uri="{BB962C8B-B14F-4D97-AF65-F5344CB8AC3E}">
-        <p14:creationId xmlns:p14="http://schemas.microsoft.com/office/powerpoint/2010/main" val="2916883260"/>
+        <p14:creationId xmlns:p14="http://schemas.microsoft.com/office/powerpoint/2010/main" val="3995419756"/>
       </p:ext>
     </p:extLst>
   </p:cSld>
@@ -1493,7 +1493,7 @@
           <p:cNvPr id="2" name="标题 1">
             <a:extLst>
               <a:ext uri="{FF2B5EF4-FFF2-40B4-BE49-F238E27FC236}">
-                <a16:creationId xmlns:a16="http://schemas.microsoft.com/office/drawing/2014/main" id="{74D436E1-272D-2A6D-EFAA-4CC0F5837990}"/>
+                <a16:creationId xmlns:a16="http://schemas.microsoft.com/office/drawing/2014/main" id="{56923B00-B6F8-8C66-66E2-186AF5BA5CC2}"/>
               </a:ext>
             </a:extLst>
           </p:cNvPr>
@@ -1526,7 +1526,7 @@
           <p:cNvPr id="3" name="文本占位符 2">
             <a:extLst>
               <a:ext uri="{FF2B5EF4-FFF2-40B4-BE49-F238E27FC236}">
-                <a16:creationId xmlns:a16="http://schemas.microsoft.com/office/drawing/2014/main" id="{3DCFE0DE-4FB9-4C16-85D0-DEF597A94624}"/>
+                <a16:creationId xmlns:a16="http://schemas.microsoft.com/office/drawing/2014/main" id="{2E6A6D66-0A06-854A-0C47-3D0FC206E4B9}"/>
               </a:ext>
             </a:extLst>
           </p:cNvPr>
@@ -1597,7 +1597,7 @@
           <p:cNvPr id="4" name="内容占位符 3">
             <a:extLst>
               <a:ext uri="{FF2B5EF4-FFF2-40B4-BE49-F238E27FC236}">
-                <a16:creationId xmlns:a16="http://schemas.microsoft.com/office/drawing/2014/main" id="{1DF26400-E747-7CB8-3DA4-C756E7394AC1}"/>
+                <a16:creationId xmlns:a16="http://schemas.microsoft.com/office/drawing/2014/main" id="{53A03995-CC09-4814-6B2A-C89734F476DE}"/>
               </a:ext>
             </a:extLst>
           </p:cNvPr>
@@ -1659,7 +1659,7 @@
           <p:cNvPr id="5" name="文本占位符 4">
             <a:extLst>
               <a:ext uri="{FF2B5EF4-FFF2-40B4-BE49-F238E27FC236}">
-                <a16:creationId xmlns:a16="http://schemas.microsoft.com/office/drawing/2014/main" id="{9F57B69B-10E2-4469-0610-F00755D6E83F}"/>
+                <a16:creationId xmlns:a16="http://schemas.microsoft.com/office/drawing/2014/main" id="{1CA5FB97-AD78-01F1-93A7-CA8EAFE3BF66}"/>
               </a:ext>
             </a:extLst>
           </p:cNvPr>
@@ -1730,7 +1730,7 @@
           <p:cNvPr id="6" name="内容占位符 5">
             <a:extLst>
               <a:ext uri="{FF2B5EF4-FFF2-40B4-BE49-F238E27FC236}">
-                <a16:creationId xmlns:a16="http://schemas.microsoft.com/office/drawing/2014/main" id="{63873619-B1AC-01BE-8874-80D5242F8334}"/>
+                <a16:creationId xmlns:a16="http://schemas.microsoft.com/office/drawing/2014/main" id="{66AA1AB5-E352-E346-9056-4B4B2AC7EA1B}"/>
               </a:ext>
             </a:extLst>
           </p:cNvPr>
@@ -1792,7 +1792,7 @@
           <p:cNvPr id="7" name="日期占位符 6">
             <a:extLst>
               <a:ext uri="{FF2B5EF4-FFF2-40B4-BE49-F238E27FC236}">
-                <a16:creationId xmlns:a16="http://schemas.microsoft.com/office/drawing/2014/main" id="{29D504C4-49C9-99AE-C422-7D02779161DC}"/>
+                <a16:creationId xmlns:a16="http://schemas.microsoft.com/office/drawing/2014/main" id="{0D154709-7464-C444-063A-1D56EF7C0D86}"/>
               </a:ext>
             </a:extLst>
           </p:cNvPr>
@@ -1808,7 +1808,7 @@
           <a:bodyPr/>
           <a:lstStyle/>
           <a:p>
-            <a:fld id="{7025611D-FDFD-4961-9CD9-01AB4E329938}" type="datetimeFigureOut">
+            <a:fld id="{4ACC2674-A246-413C-9815-3D2565BB69F8}" type="datetimeFigureOut">
               <a:rPr lang="zh-CN" altLang="en-US" smtClean="0"/>
               <a:t>2024/3/10</a:t>
             </a:fld>
@@ -1821,7 +1821,7 @@
           <p:cNvPr id="8" name="页脚占位符 7">
             <a:extLst>
               <a:ext uri="{FF2B5EF4-FFF2-40B4-BE49-F238E27FC236}">
-                <a16:creationId xmlns:a16="http://schemas.microsoft.com/office/drawing/2014/main" id="{F14325A2-EE63-10C3-1969-84015E18174B}"/>
+                <a16:creationId xmlns:a16="http://schemas.microsoft.com/office/drawing/2014/main" id="{C527FB3D-CD8D-3AB8-8C7B-9976E27F58C2}"/>
               </a:ext>
             </a:extLst>
           </p:cNvPr>
@@ -1846,7 +1846,7 @@
           <p:cNvPr id="9" name="灯片编号占位符 8">
             <a:extLst>
               <a:ext uri="{FF2B5EF4-FFF2-40B4-BE49-F238E27FC236}">
-                <a16:creationId xmlns:a16="http://schemas.microsoft.com/office/drawing/2014/main" id="{2AB40713-CCDF-E1DD-2170-E37DABC72963}"/>
+                <a16:creationId xmlns:a16="http://schemas.microsoft.com/office/drawing/2014/main" id="{FA19025B-F38B-76BE-40BF-0A8831EB2DD4}"/>
               </a:ext>
             </a:extLst>
           </p:cNvPr>
@@ -1862,7 +1862,7 @@
           <a:bodyPr/>
           <a:lstStyle/>
           <a:p>
-            <a:fld id="{2B995B28-8545-4584-9676-46241DBCAFB0}" type="slidenum">
+            <a:fld id="{29034812-505F-4E7B-BB44-0128E1599E1B}" type="slidenum">
               <a:rPr lang="zh-CN" altLang="en-US" smtClean="0"/>
               <a:t>‹#›</a:t>
             </a:fld>
@@ -1873,7 +1873,7 @@
     </p:spTree>
     <p:extLst>
       <p:ext uri="{BB962C8B-B14F-4D97-AF65-F5344CB8AC3E}">
-        <p14:creationId xmlns:p14="http://schemas.microsoft.com/office/powerpoint/2010/main" val="2416623857"/>
+        <p14:creationId xmlns:p14="http://schemas.microsoft.com/office/powerpoint/2010/main" val="1483535544"/>
       </p:ext>
     </p:extLst>
   </p:cSld>
@@ -1905,7 +1905,7 @@
           <p:cNvPr id="2" name="标题 1">
             <a:extLst>
               <a:ext uri="{FF2B5EF4-FFF2-40B4-BE49-F238E27FC236}">
-                <a16:creationId xmlns:a16="http://schemas.microsoft.com/office/drawing/2014/main" id="{CA1688A1-BF85-1966-47F7-36B95B92E0F4}"/>
+                <a16:creationId xmlns:a16="http://schemas.microsoft.com/office/drawing/2014/main" id="{BA7C66EA-3EE2-12F3-B076-7C7129AA9CBC}"/>
               </a:ext>
             </a:extLst>
           </p:cNvPr>
@@ -1933,7 +1933,7 @@
           <p:cNvPr id="3" name="日期占位符 2">
             <a:extLst>
               <a:ext uri="{FF2B5EF4-FFF2-40B4-BE49-F238E27FC236}">
-                <a16:creationId xmlns:a16="http://schemas.microsoft.com/office/drawing/2014/main" id="{3B5EC7DD-B09D-89D4-9E9B-2DC59B0A3A4C}"/>
+                <a16:creationId xmlns:a16="http://schemas.microsoft.com/office/drawing/2014/main" id="{0043E332-B815-4A35-2037-D013B887F429}"/>
               </a:ext>
             </a:extLst>
           </p:cNvPr>
@@ -1949,7 +1949,7 @@
           <a:bodyPr/>
           <a:lstStyle/>
           <a:p>
-            <a:fld id="{7025611D-FDFD-4961-9CD9-01AB4E329938}" type="datetimeFigureOut">
+            <a:fld id="{4ACC2674-A246-413C-9815-3D2565BB69F8}" type="datetimeFigureOut">
               <a:rPr lang="zh-CN" altLang="en-US" smtClean="0"/>
               <a:t>2024/3/10</a:t>
             </a:fld>
@@ -1962,7 +1962,7 @@
           <p:cNvPr id="4" name="页脚占位符 3">
             <a:extLst>
               <a:ext uri="{FF2B5EF4-FFF2-40B4-BE49-F238E27FC236}">
-                <a16:creationId xmlns:a16="http://schemas.microsoft.com/office/drawing/2014/main" id="{07EC2AB2-EECD-8908-D604-077E66E7CD0C}"/>
+                <a16:creationId xmlns:a16="http://schemas.microsoft.com/office/drawing/2014/main" id="{94AEF0C3-7A33-2BB2-2633-A19F2F2A605B}"/>
               </a:ext>
             </a:extLst>
           </p:cNvPr>
@@ -1987,7 +1987,7 @@
           <p:cNvPr id="5" name="灯片编号占位符 4">
             <a:extLst>
               <a:ext uri="{FF2B5EF4-FFF2-40B4-BE49-F238E27FC236}">
-                <a16:creationId xmlns:a16="http://schemas.microsoft.com/office/drawing/2014/main" id="{C3979224-368D-2F02-A01D-D331CD320419}"/>
+                <a16:creationId xmlns:a16="http://schemas.microsoft.com/office/drawing/2014/main" id="{428CF3E7-3218-6858-909C-D159D72E2E2F}"/>
               </a:ext>
             </a:extLst>
           </p:cNvPr>
@@ -2003,7 +2003,7 @@
           <a:bodyPr/>
           <a:lstStyle/>
           <a:p>
-            <a:fld id="{2B995B28-8545-4584-9676-46241DBCAFB0}" type="slidenum">
+            <a:fld id="{29034812-505F-4E7B-BB44-0128E1599E1B}" type="slidenum">
               <a:rPr lang="zh-CN" altLang="en-US" smtClean="0"/>
               <a:t>‹#›</a:t>
             </a:fld>
@@ -2014,7 +2014,7 @@
     </p:spTree>
     <p:extLst>
       <p:ext uri="{BB962C8B-B14F-4D97-AF65-F5344CB8AC3E}">
-        <p14:creationId xmlns:p14="http://schemas.microsoft.com/office/powerpoint/2010/main" val="1871190230"/>
+        <p14:creationId xmlns:p14="http://schemas.microsoft.com/office/powerpoint/2010/main" val="2482277212"/>
       </p:ext>
     </p:extLst>
   </p:cSld>
@@ -2046,7 +2046,7 @@
           <p:cNvPr id="2" name="日期占位符 1">
             <a:extLst>
               <a:ext uri="{FF2B5EF4-FFF2-40B4-BE49-F238E27FC236}">
-                <a16:creationId xmlns:a16="http://schemas.microsoft.com/office/drawing/2014/main" id="{2296E4B4-C63E-F2E7-F07A-96E5D5430B21}"/>
+                <a16:creationId xmlns:a16="http://schemas.microsoft.com/office/drawing/2014/main" id="{E583BE3A-0937-C754-F8EA-8757E1965170}"/>
               </a:ext>
             </a:extLst>
           </p:cNvPr>
@@ -2062,7 +2062,7 @@
           <a:bodyPr/>
           <a:lstStyle/>
           <a:p>
-            <a:fld id="{7025611D-FDFD-4961-9CD9-01AB4E329938}" type="datetimeFigureOut">
+            <a:fld id="{4ACC2674-A246-413C-9815-3D2565BB69F8}" type="datetimeFigureOut">
               <a:rPr lang="zh-CN" altLang="en-US" smtClean="0"/>
               <a:t>2024/3/10</a:t>
             </a:fld>
@@ -2075,7 +2075,7 @@
           <p:cNvPr id="3" name="页脚占位符 2">
             <a:extLst>
               <a:ext uri="{FF2B5EF4-FFF2-40B4-BE49-F238E27FC236}">
-                <a16:creationId xmlns:a16="http://schemas.microsoft.com/office/drawing/2014/main" id="{E9624810-15E1-14AB-D66C-997D6E910D6D}"/>
+                <a16:creationId xmlns:a16="http://schemas.microsoft.com/office/drawing/2014/main" id="{11052689-4087-6308-968E-05072BD90277}"/>
               </a:ext>
             </a:extLst>
           </p:cNvPr>
@@ -2100,7 +2100,7 @@
           <p:cNvPr id="4" name="灯片编号占位符 3">
             <a:extLst>
               <a:ext uri="{FF2B5EF4-FFF2-40B4-BE49-F238E27FC236}">
-                <a16:creationId xmlns:a16="http://schemas.microsoft.com/office/drawing/2014/main" id="{8CC01332-B1D3-FB76-4DF4-EE1B09EA9B40}"/>
+                <a16:creationId xmlns:a16="http://schemas.microsoft.com/office/drawing/2014/main" id="{BEBAFB6B-E249-4C9F-4040-46FD107E04DB}"/>
               </a:ext>
             </a:extLst>
           </p:cNvPr>
@@ -2116,7 +2116,7 @@
           <a:bodyPr/>
           <a:lstStyle/>
           <a:p>
-            <a:fld id="{2B995B28-8545-4584-9676-46241DBCAFB0}" type="slidenum">
+            <a:fld id="{29034812-505F-4E7B-BB44-0128E1599E1B}" type="slidenum">
               <a:rPr lang="zh-CN" altLang="en-US" smtClean="0"/>
               <a:t>‹#›</a:t>
             </a:fld>
@@ -2127,7 +2127,7 @@
     </p:spTree>
     <p:extLst>
       <p:ext uri="{BB962C8B-B14F-4D97-AF65-F5344CB8AC3E}">
-        <p14:creationId xmlns:p14="http://schemas.microsoft.com/office/powerpoint/2010/main" val="2267443558"/>
+        <p14:creationId xmlns:p14="http://schemas.microsoft.com/office/powerpoint/2010/main" val="2379528501"/>
       </p:ext>
     </p:extLst>
   </p:cSld>
@@ -2159,7 +2159,7 @@
           <p:cNvPr id="2" name="标题 1">
             <a:extLst>
               <a:ext uri="{FF2B5EF4-FFF2-40B4-BE49-F238E27FC236}">
-                <a16:creationId xmlns:a16="http://schemas.microsoft.com/office/drawing/2014/main" id="{51D8EF5F-E04F-D838-47F5-B407C084AE4A}"/>
+                <a16:creationId xmlns:a16="http://schemas.microsoft.com/office/drawing/2014/main" id="{42D81887-3191-497B-32A6-6C2A71F5D14A}"/>
               </a:ext>
             </a:extLst>
           </p:cNvPr>
@@ -2196,7 +2196,7 @@
           <p:cNvPr id="3" name="内容占位符 2">
             <a:extLst>
               <a:ext uri="{FF2B5EF4-FFF2-40B4-BE49-F238E27FC236}">
-                <a16:creationId xmlns:a16="http://schemas.microsoft.com/office/drawing/2014/main" id="{2593B4B0-6F49-981E-E5A4-65831BBE4FD1}"/>
+                <a16:creationId xmlns:a16="http://schemas.microsoft.com/office/drawing/2014/main" id="{43316B2D-09EE-CAC6-6850-349B32B03984}"/>
               </a:ext>
             </a:extLst>
           </p:cNvPr>
@@ -2286,7 +2286,7 @@
           <p:cNvPr id="4" name="文本占位符 3">
             <a:extLst>
               <a:ext uri="{FF2B5EF4-FFF2-40B4-BE49-F238E27FC236}">
-                <a16:creationId xmlns:a16="http://schemas.microsoft.com/office/drawing/2014/main" id="{4AD6BE23-C02F-AA6E-FF1C-E38D4F6B7744}"/>
+                <a16:creationId xmlns:a16="http://schemas.microsoft.com/office/drawing/2014/main" id="{CD449D39-717A-7766-990F-DD83E4BC99C7}"/>
               </a:ext>
             </a:extLst>
           </p:cNvPr>
@@ -2357,7 +2357,7 @@
           <p:cNvPr id="5" name="日期占位符 4">
             <a:extLst>
               <a:ext uri="{FF2B5EF4-FFF2-40B4-BE49-F238E27FC236}">
-                <a16:creationId xmlns:a16="http://schemas.microsoft.com/office/drawing/2014/main" id="{07CAB369-49C8-7748-0179-C59A20FD6D16}"/>
+                <a16:creationId xmlns:a16="http://schemas.microsoft.com/office/drawing/2014/main" id="{8E6F19A2-D46D-CBBF-7444-C154A604FF8D}"/>
               </a:ext>
             </a:extLst>
           </p:cNvPr>
@@ -2373,7 +2373,7 @@
           <a:bodyPr/>
           <a:lstStyle/>
           <a:p>
-            <a:fld id="{7025611D-FDFD-4961-9CD9-01AB4E329938}" type="datetimeFigureOut">
+            <a:fld id="{4ACC2674-A246-413C-9815-3D2565BB69F8}" type="datetimeFigureOut">
               <a:rPr lang="zh-CN" altLang="en-US" smtClean="0"/>
               <a:t>2024/3/10</a:t>
             </a:fld>
@@ -2386,7 +2386,7 @@
           <p:cNvPr id="6" name="页脚占位符 5">
             <a:extLst>
               <a:ext uri="{FF2B5EF4-FFF2-40B4-BE49-F238E27FC236}">
-                <a16:creationId xmlns:a16="http://schemas.microsoft.com/office/drawing/2014/main" id="{B5CF6801-CDA9-C131-AC05-286737FD0114}"/>
+                <a16:creationId xmlns:a16="http://schemas.microsoft.com/office/drawing/2014/main" id="{FA6AE49F-FB3C-6E31-EC00-A1B8EE3EE88B}"/>
               </a:ext>
             </a:extLst>
           </p:cNvPr>
@@ -2411,7 +2411,7 @@
           <p:cNvPr id="7" name="灯片编号占位符 6">
             <a:extLst>
               <a:ext uri="{FF2B5EF4-FFF2-40B4-BE49-F238E27FC236}">
-                <a16:creationId xmlns:a16="http://schemas.microsoft.com/office/drawing/2014/main" id="{F2925FAA-295B-2751-FE8F-D4E0D95455F3}"/>
+                <a16:creationId xmlns:a16="http://schemas.microsoft.com/office/drawing/2014/main" id="{73AEE284-692C-C268-29FE-CC17B3095767}"/>
               </a:ext>
             </a:extLst>
           </p:cNvPr>
@@ -2427,7 +2427,7 @@
           <a:bodyPr/>
           <a:lstStyle/>
           <a:p>
-            <a:fld id="{2B995B28-8545-4584-9676-46241DBCAFB0}" type="slidenum">
+            <a:fld id="{29034812-505F-4E7B-BB44-0128E1599E1B}" type="slidenum">
               <a:rPr lang="zh-CN" altLang="en-US" smtClean="0"/>
               <a:t>‹#›</a:t>
             </a:fld>
@@ -2438,7 +2438,7 @@
     </p:spTree>
     <p:extLst>
       <p:ext uri="{BB962C8B-B14F-4D97-AF65-F5344CB8AC3E}">
-        <p14:creationId xmlns:p14="http://schemas.microsoft.com/office/powerpoint/2010/main" val="2787363545"/>
+        <p14:creationId xmlns:p14="http://schemas.microsoft.com/office/powerpoint/2010/main" val="3391485660"/>
       </p:ext>
     </p:extLst>
   </p:cSld>
@@ -2470,7 +2470,7 @@
           <p:cNvPr id="2" name="标题 1">
             <a:extLst>
               <a:ext uri="{FF2B5EF4-FFF2-40B4-BE49-F238E27FC236}">
-                <a16:creationId xmlns:a16="http://schemas.microsoft.com/office/drawing/2014/main" id="{F88A9B82-31F2-97FC-E09D-7AA1EFDC2D04}"/>
+                <a16:creationId xmlns:a16="http://schemas.microsoft.com/office/drawing/2014/main" id="{1B562500-A897-1A24-57C6-258C262748EB}"/>
               </a:ext>
             </a:extLst>
           </p:cNvPr>
@@ -2507,7 +2507,7 @@
           <p:cNvPr id="3" name="图片占位符 2">
             <a:extLst>
               <a:ext uri="{FF2B5EF4-FFF2-40B4-BE49-F238E27FC236}">
-                <a16:creationId xmlns:a16="http://schemas.microsoft.com/office/drawing/2014/main" id="{6A7D6FC1-7BB9-1290-7BDB-8547597B1AA8}"/>
+                <a16:creationId xmlns:a16="http://schemas.microsoft.com/office/drawing/2014/main" id="{E238600D-9140-E272-0A43-46F17D394A7F}"/>
               </a:ext>
             </a:extLst>
           </p:cNvPr>
@@ -2574,7 +2574,7 @@
           <p:cNvPr id="4" name="文本占位符 3">
             <a:extLst>
               <a:ext uri="{FF2B5EF4-FFF2-40B4-BE49-F238E27FC236}">
-                <a16:creationId xmlns:a16="http://schemas.microsoft.com/office/drawing/2014/main" id="{E608459D-54E6-BBD1-BB9A-F716A9769AB4}"/>
+                <a16:creationId xmlns:a16="http://schemas.microsoft.com/office/drawing/2014/main" id="{40495E58-EE25-F0E8-2249-1A967F21D51A}"/>
               </a:ext>
             </a:extLst>
           </p:cNvPr>
@@ -2645,7 +2645,7 @@
           <p:cNvPr id="5" name="日期占位符 4">
             <a:extLst>
               <a:ext uri="{FF2B5EF4-FFF2-40B4-BE49-F238E27FC236}">
-                <a16:creationId xmlns:a16="http://schemas.microsoft.com/office/drawing/2014/main" id="{D412C265-CB1A-A78F-3389-18B3919052E6}"/>
+                <a16:creationId xmlns:a16="http://schemas.microsoft.com/office/drawing/2014/main" id="{D5C4D12C-59A2-558C-DD4E-26BC5D9241AA}"/>
               </a:ext>
             </a:extLst>
           </p:cNvPr>
@@ -2661,7 +2661,7 @@
           <a:bodyPr/>
           <a:lstStyle/>
           <a:p>
-            <a:fld id="{7025611D-FDFD-4961-9CD9-01AB4E329938}" type="datetimeFigureOut">
+            <a:fld id="{4ACC2674-A246-413C-9815-3D2565BB69F8}" type="datetimeFigureOut">
               <a:rPr lang="zh-CN" altLang="en-US" smtClean="0"/>
               <a:t>2024/3/10</a:t>
             </a:fld>
@@ -2674,7 +2674,7 @@
           <p:cNvPr id="6" name="页脚占位符 5">
             <a:extLst>
               <a:ext uri="{FF2B5EF4-FFF2-40B4-BE49-F238E27FC236}">
-                <a16:creationId xmlns:a16="http://schemas.microsoft.com/office/drawing/2014/main" id="{0B3C3B25-378B-C439-BFBE-FD09078DC96C}"/>
+                <a16:creationId xmlns:a16="http://schemas.microsoft.com/office/drawing/2014/main" id="{966FD773-02EA-8538-519C-B5A03E474C3E}"/>
               </a:ext>
             </a:extLst>
           </p:cNvPr>
@@ -2699,7 +2699,7 @@
           <p:cNvPr id="7" name="灯片编号占位符 6">
             <a:extLst>
               <a:ext uri="{FF2B5EF4-FFF2-40B4-BE49-F238E27FC236}">
-                <a16:creationId xmlns:a16="http://schemas.microsoft.com/office/drawing/2014/main" id="{2EBC11B7-A38B-3819-A4CF-ED7AA1118C9A}"/>
+                <a16:creationId xmlns:a16="http://schemas.microsoft.com/office/drawing/2014/main" id="{96AF4070-4822-ADED-221E-9B74B9761387}"/>
               </a:ext>
             </a:extLst>
           </p:cNvPr>
@@ -2715,7 +2715,7 @@
           <a:bodyPr/>
           <a:lstStyle/>
           <a:p>
-            <a:fld id="{2B995B28-8545-4584-9676-46241DBCAFB0}" type="slidenum">
+            <a:fld id="{29034812-505F-4E7B-BB44-0128E1599E1B}" type="slidenum">
               <a:rPr lang="zh-CN" altLang="en-US" smtClean="0"/>
               <a:t>‹#›</a:t>
             </a:fld>
@@ -2726,7 +2726,7 @@
     </p:spTree>
     <p:extLst>
       <p:ext uri="{BB962C8B-B14F-4D97-AF65-F5344CB8AC3E}">
-        <p14:creationId xmlns:p14="http://schemas.microsoft.com/office/powerpoint/2010/main" val="3635374967"/>
+        <p14:creationId xmlns:p14="http://schemas.microsoft.com/office/powerpoint/2010/main" val="2536897214"/>
       </p:ext>
     </p:extLst>
   </p:cSld>
@@ -2763,7 +2763,7 @@
           <p:cNvPr id="2" name="标题占位符 1">
             <a:extLst>
               <a:ext uri="{FF2B5EF4-FFF2-40B4-BE49-F238E27FC236}">
-                <a16:creationId xmlns:a16="http://schemas.microsoft.com/office/drawing/2014/main" id="{94EF15D9-9644-C4E5-D619-8F67EE97D67D}"/>
+                <a16:creationId xmlns:a16="http://schemas.microsoft.com/office/drawing/2014/main" id="{55C36DE5-7758-86E4-9B20-C4BDD741B782}"/>
               </a:ext>
             </a:extLst>
           </p:cNvPr>
@@ -2801,7 +2801,7 @@
           <p:cNvPr id="3" name="文本占位符 2">
             <a:extLst>
               <a:ext uri="{FF2B5EF4-FFF2-40B4-BE49-F238E27FC236}">
-                <a16:creationId xmlns:a16="http://schemas.microsoft.com/office/drawing/2014/main" id="{BBC188A4-4B01-A616-9F84-3E43227A9DFE}"/>
+                <a16:creationId xmlns:a16="http://schemas.microsoft.com/office/drawing/2014/main" id="{6E0C9420-BC94-581F-DFF1-B47E56CEE8A1}"/>
               </a:ext>
             </a:extLst>
           </p:cNvPr>
@@ -2868,7 +2868,7 @@
           <p:cNvPr id="4" name="日期占位符 3">
             <a:extLst>
               <a:ext uri="{FF2B5EF4-FFF2-40B4-BE49-F238E27FC236}">
-                <a16:creationId xmlns:a16="http://schemas.microsoft.com/office/drawing/2014/main" id="{787E553F-0E24-9352-23C1-3AB89A8AE227}"/>
+                <a16:creationId xmlns:a16="http://schemas.microsoft.com/office/drawing/2014/main" id="{B1F504FB-1D52-9F9F-CB18-64AED2921CDB}"/>
               </a:ext>
             </a:extLst>
           </p:cNvPr>
@@ -2902,7 +2902,7 @@
             </a:lvl1pPr>
           </a:lstStyle>
           <a:p>
-            <a:fld id="{7025611D-FDFD-4961-9CD9-01AB4E329938}" type="datetimeFigureOut">
+            <a:fld id="{4ACC2674-A246-413C-9815-3D2565BB69F8}" type="datetimeFigureOut">
               <a:rPr lang="zh-CN" altLang="en-US" smtClean="0"/>
               <a:t>2024/3/10</a:t>
             </a:fld>
@@ -2915,7 +2915,7 @@
           <p:cNvPr id="5" name="页脚占位符 4">
             <a:extLst>
               <a:ext uri="{FF2B5EF4-FFF2-40B4-BE49-F238E27FC236}">
-                <a16:creationId xmlns:a16="http://schemas.microsoft.com/office/drawing/2014/main" id="{F3D5B742-C968-9BCF-7B69-7C87CBE91379}"/>
+                <a16:creationId xmlns:a16="http://schemas.microsoft.com/office/drawing/2014/main" id="{42DA6BD2-5C3A-38D3-0F5B-9BDD0C6A6293}"/>
               </a:ext>
             </a:extLst>
           </p:cNvPr>
@@ -2958,7 +2958,7 @@
           <p:cNvPr id="6" name="灯片编号占位符 5">
             <a:extLst>
               <a:ext uri="{FF2B5EF4-FFF2-40B4-BE49-F238E27FC236}">
-                <a16:creationId xmlns:a16="http://schemas.microsoft.com/office/drawing/2014/main" id="{7ED89A38-F5AA-B5C4-150D-C98BEBF14362}"/>
+                <a16:creationId xmlns:a16="http://schemas.microsoft.com/office/drawing/2014/main" id="{4B006544-585D-F83C-6886-1C34857C2CF5}"/>
               </a:ext>
             </a:extLst>
           </p:cNvPr>
@@ -2992,7 +2992,7 @@
             </a:lvl1pPr>
           </a:lstStyle>
           <a:p>
-            <a:fld id="{2B995B28-8545-4584-9676-46241DBCAFB0}" type="slidenum">
+            <a:fld id="{29034812-505F-4E7B-BB44-0128E1599E1B}" type="slidenum">
               <a:rPr lang="zh-CN" altLang="en-US" smtClean="0"/>
               <a:t>‹#›</a:t>
             </a:fld>
@@ -3003,7 +3003,7 @@
     </p:spTree>
     <p:extLst>
       <p:ext uri="{BB962C8B-B14F-4D97-AF65-F5344CB8AC3E}">
-        <p14:creationId xmlns:p14="http://schemas.microsoft.com/office/powerpoint/2010/main" val="3630657617"/>
+        <p14:creationId xmlns:p14="http://schemas.microsoft.com/office/powerpoint/2010/main" val="2717245843"/>
       </p:ext>
     </p:extLst>
   </p:cSld>
@@ -3323,7 +3323,7 @@
       </p:grpSpPr>
       <p:pic>
         <p:nvPicPr>
-          <p:cNvPr id="936962" name="Picture 2" descr="914"/>
+          <p:cNvPr id="937986" name="Picture 2" descr="915"/>
           <p:cNvPicPr>
             <a:picLocks noChangeAspect="1" noChangeArrowheads="1"/>
           </p:cNvPicPr>
@@ -3344,8 +3344,8 @@
         </p:blipFill>
         <p:spPr bwMode="auto">
           <a:xfrm>
-            <a:off x="1543050" y="15875"/>
-            <a:ext cx="9124950" cy="5862638"/>
+            <a:off x="1614488" y="0"/>
+            <a:ext cx="9053512" cy="6789738"/>
           </a:xfrm>
           <a:prstGeom prst="rect">
             <a:avLst/>
